--- a/day4/lecture4_GLMM_beyond.pptx
+++ b/day4/lecture4_GLMM_beyond.pptx
@@ -227,7 +227,7 @@
           <a:p>
             <a:fld id="{B73D2FB9-C09F-4CC9-B56B-0E79DA024731}" type="datetimeFigureOut">
               <a:rPr lang="en-US" smtClean="0"/>
-              <a:t>1/17/2018</a:t>
+              <a:t>1/18/2018</a:t>
             </a:fld>
             <a:endParaRPr lang="en-US"/>
           </a:p>
@@ -660,7 +660,7 @@
           </a:ln>
           <a:extLst>
             <a:ext uri="{909E8E84-426E-40dd-AFC4-6F175D3DCCD1}">
-              <a14:hiddenFill xmlns:a14="http://schemas.microsoft.com/office/drawing/2010/main" xmlns="">
+              <a14:hiddenFill xmlns="" xmlns:a14="http://schemas.microsoft.com/office/drawing/2010/main">
                 <a:solidFill>
                   <a:srgbClr val="FFFFFF"/>
                 </a:solidFill>
@@ -703,7 +703,7 @@
           </a:ln>
           <a:extLst>
             <a:ext uri="{909E8E84-426E-40dd-AFC4-6F175D3DCCD1}">
-              <a14:hiddenFill xmlns:a14="http://schemas.microsoft.com/office/drawing/2010/main" xmlns="">
+              <a14:hiddenFill xmlns="" xmlns:a14="http://schemas.microsoft.com/office/drawing/2010/main">
                 <a:noFill/>
               </a14:hiddenFill>
             </a:ext>
@@ -802,7 +802,7 @@
           <a:p>
             <a:fld id="{39E044C2-93E3-4A4B-B6A1-D8E9993814C7}" type="datetime1">
               <a:rPr lang="en-US" smtClean="0"/>
-              <a:t>1/17/2018</a:t>
+              <a:t>1/18/2018</a:t>
             </a:fld>
             <a:endParaRPr lang="en-US"/>
           </a:p>
@@ -989,7 +989,7 @@
           <a:p>
             <a:fld id="{C817BF3A-F2D3-46BD-9E1F-1F9DD7E62B68}" type="datetime1">
               <a:rPr lang="en-US" smtClean="0"/>
-              <a:t>1/17/2018</a:t>
+              <a:t>1/18/2018</a:t>
             </a:fld>
             <a:endParaRPr lang="en-US"/>
           </a:p>
@@ -1185,7 +1185,7 @@
           <a:p>
             <a:fld id="{A25B53AB-0559-4EB5-BE4B-3F20476566A1}" type="datetime1">
               <a:rPr lang="en-US" smtClean="0"/>
-              <a:t>1/17/2018</a:t>
+              <a:t>1/18/2018</a:t>
             </a:fld>
             <a:endParaRPr lang="en-US"/>
           </a:p>
@@ -1437,7 +1437,7 @@
           <a:p>
             <a:fld id="{25085B04-7A33-416C-A7FB-D64ADDEB8FCC}" type="datetime1">
               <a:rPr lang="en-US" smtClean="0"/>
-              <a:t>1/17/2018</a:t>
+              <a:t>1/18/2018</a:t>
             </a:fld>
             <a:endParaRPr lang="en-US"/>
           </a:p>
@@ -1662,7 +1662,7 @@
           <a:p>
             <a:fld id="{25085B04-7A33-416C-A7FB-D64ADDEB8FCC}" type="datetime1">
               <a:rPr lang="en-US" smtClean="0"/>
-              <a:t>1/17/2018</a:t>
+              <a:t>1/18/2018</a:t>
             </a:fld>
             <a:endParaRPr lang="en-US"/>
           </a:p>
@@ -1971,7 +1971,7 @@
           <a:p>
             <a:fld id="{25085B04-7A33-416C-A7FB-D64ADDEB8FCC}" type="datetime1">
               <a:rPr lang="en-US" smtClean="0"/>
-              <a:t>1/17/2018</a:t>
+              <a:t>1/18/2018</a:t>
             </a:fld>
             <a:endParaRPr lang="en-US"/>
           </a:p>
@@ -2140,7 +2140,7 @@
           <a:p>
             <a:fld id="{25085B04-7A33-416C-A7FB-D64ADDEB8FCC}" type="datetime1">
               <a:rPr lang="en-US" smtClean="0"/>
-              <a:t>1/17/2018</a:t>
+              <a:t>1/18/2018</a:t>
             </a:fld>
             <a:endParaRPr lang="en-US"/>
           </a:p>
@@ -2453,7 +2453,7 @@
           <a:p>
             <a:fld id="{25085B04-7A33-416C-A7FB-D64ADDEB8FCC}" type="datetime1">
               <a:rPr lang="en-US" smtClean="0"/>
-              <a:t>1/17/2018</a:t>
+              <a:t>1/18/2018</a:t>
             </a:fld>
             <a:endParaRPr lang="en-US"/>
           </a:p>
@@ -2766,7 +2766,7 @@
           <a:p>
             <a:fld id="{25085B04-7A33-416C-A7FB-D64ADDEB8FCC}" type="datetime1">
               <a:rPr lang="en-US" smtClean="0"/>
-              <a:t>1/17/2018</a:t>
+              <a:t>1/18/2018</a:t>
             </a:fld>
             <a:endParaRPr lang="en-US"/>
           </a:p>
@@ -2987,7 +2987,7 @@
           <a:p>
             <a:fld id="{BA23EE8D-9CE0-4F42-A40F-E28604EA7175}" type="datetime1">
               <a:rPr lang="en-US" smtClean="0"/>
-              <a:t>1/17/2018</a:t>
+              <a:t>1/18/2018</a:t>
             </a:fld>
             <a:endParaRPr lang="en-US"/>
           </a:p>
@@ -3185,7 +3185,7 @@
           <a:p>
             <a:fld id="{1A4DAFB5-4EEC-49BD-AB33-559CD6F558E3}" type="datetime1">
               <a:rPr lang="en-US" smtClean="0"/>
-              <a:t>1/17/2018</a:t>
+              <a:t>1/18/2018</a:t>
             </a:fld>
             <a:endParaRPr lang="en-US"/>
           </a:p>
@@ -3371,7 +3371,7 @@
           <a:p>
             <a:fld id="{48D5DDFF-6E4E-48D6-AC14-E6CBA3C0FEB2}" type="datetime1">
               <a:rPr lang="en-US" smtClean="0"/>
-              <a:t>1/17/2018</a:t>
+              <a:t>1/18/2018</a:t>
             </a:fld>
             <a:endParaRPr lang="en-US"/>
           </a:p>
@@ -3646,7 +3646,7 @@
           <a:p>
             <a:fld id="{1EE2056D-DC17-4607-87F9-EA4937BD48E2}" type="datetime1">
               <a:rPr lang="en-US" smtClean="0"/>
-              <a:t>1/17/2018</a:t>
+              <a:t>1/18/2018</a:t>
             </a:fld>
             <a:endParaRPr lang="en-US"/>
           </a:p>
@@ -3911,7 +3911,7 @@
           <a:p>
             <a:fld id="{866E3DAD-9254-43DE-A1F3-F1D56B1E5B5F}" type="datetime1">
               <a:rPr lang="en-US" smtClean="0"/>
-              <a:t>1/17/2018</a:t>
+              <a:t>1/18/2018</a:t>
             </a:fld>
             <a:endParaRPr lang="en-US"/>
           </a:p>
@@ -4323,7 +4323,7 @@
           <a:p>
             <a:fld id="{12F88D45-78A7-46A0-99B7-2046E351D366}" type="datetime1">
               <a:rPr lang="en-US" smtClean="0"/>
-              <a:t>1/17/2018</a:t>
+              <a:t>1/18/2018</a:t>
             </a:fld>
             <a:endParaRPr lang="en-US"/>
           </a:p>
@@ -4464,7 +4464,7 @@
           <a:p>
             <a:fld id="{7716AC84-6778-466F-95F9-3EEE8E306ABF}" type="datetime1">
               <a:rPr lang="en-US" smtClean="0"/>
-              <a:t>1/17/2018</a:t>
+              <a:t>1/18/2018</a:t>
             </a:fld>
             <a:endParaRPr lang="en-US"/>
           </a:p>
@@ -4577,7 +4577,7 @@
           <a:p>
             <a:fld id="{02DEDAFE-CBEF-41E8-868F-E40C867A5636}" type="datetime1">
               <a:rPr lang="en-US" smtClean="0"/>
-              <a:t>1/17/2018</a:t>
+              <a:t>1/18/2018</a:t>
             </a:fld>
             <a:endParaRPr lang="en-US"/>
           </a:p>
@@ -4888,7 +4888,7 @@
           <a:p>
             <a:fld id="{20C87E4D-F358-4436-A283-114607D95274}" type="datetime1">
               <a:rPr lang="en-US" smtClean="0"/>
-              <a:t>1/17/2018</a:t>
+              <a:t>1/18/2018</a:t>
             </a:fld>
             <a:endParaRPr lang="en-US"/>
           </a:p>
@@ -5179,7 +5179,7 @@
           <a:p>
             <a:fld id="{6CCABA82-8A7B-4924-987B-0B7221667B17}" type="datetime1">
               <a:rPr lang="en-US" smtClean="0"/>
-              <a:t>1/17/2018</a:t>
+              <a:t>1/18/2018</a:t>
             </a:fld>
             <a:endParaRPr lang="en-US"/>
           </a:p>
@@ -5377,7 +5377,7 @@
           <a:p>
             <a:fld id="{C602C5EE-1F52-440A-B21D-CF34717184B1}" type="datetime1">
               <a:rPr lang="en-US" smtClean="0"/>
-              <a:t>1/17/2018</a:t>
+              <a:t>1/18/2018</a:t>
             </a:fld>
             <a:endParaRPr lang="en-US"/>
           </a:p>
@@ -5585,7 +5585,7 @@
           <a:p>
             <a:fld id="{88EA7AC3-3927-460F-BC0A-B8263F635273}" type="datetime1">
               <a:rPr lang="en-US" smtClean="0"/>
-              <a:t>1/17/2018</a:t>
+              <a:t>1/18/2018</a:t>
             </a:fld>
             <a:endParaRPr lang="en-US"/>
           </a:p>
@@ -5794,7 +5794,7 @@
           <a:p>
             <a:fld id="{0FFE502A-1A4E-496B-B2D2-529468F64463}" type="datetime1">
               <a:rPr lang="en-US" smtClean="0"/>
-              <a:t>1/17/2018</a:t>
+              <a:t>1/18/2018</a:t>
             </a:fld>
             <a:endParaRPr lang="en-US"/>
           </a:p>
@@ -6097,7 +6097,7 @@
           <a:p>
             <a:fld id="{883C4EB8-5BFD-4159-A72D-C2776364B018}" type="datetime1">
               <a:rPr lang="en-US" smtClean="0"/>
-              <a:t>1/17/2018</a:t>
+              <a:t>1/18/2018</a:t>
             </a:fld>
             <a:endParaRPr lang="en-US"/>
           </a:p>
@@ -6539,7 +6539,7 @@
           <a:p>
             <a:fld id="{5A7D63EA-6161-451A-A0F2-180457136142}" type="datetime1">
               <a:rPr lang="en-US" smtClean="0"/>
-              <a:t>1/17/2018</a:t>
+              <a:t>1/18/2018</a:t>
             </a:fld>
             <a:endParaRPr lang="en-US"/>
           </a:p>
@@ -6674,7 +6674,7 @@
           <a:p>
             <a:fld id="{BABC1D1C-8B0E-4131-A976-A04913DCA754}" type="datetime1">
               <a:rPr lang="en-US" smtClean="0"/>
-              <a:t>1/17/2018</a:t>
+              <a:t>1/18/2018</a:t>
             </a:fld>
             <a:endParaRPr lang="en-US"/>
           </a:p>
@@ -6787,7 +6787,7 @@
           <a:p>
             <a:fld id="{EF1416D0-C41F-4D88-B020-7F74E89E4490}" type="datetime1">
               <a:rPr lang="en-US" smtClean="0"/>
-              <a:t>1/17/2018</a:t>
+              <a:t>1/18/2018</a:t>
             </a:fld>
             <a:endParaRPr lang="en-US"/>
           </a:p>
@@ -7080,7 +7080,7 @@
           <a:p>
             <a:fld id="{B8924456-345A-46DF-8D2A-935514574781}" type="datetime1">
               <a:rPr lang="en-US" smtClean="0"/>
-              <a:t>1/17/2018</a:t>
+              <a:t>1/18/2018</a:t>
             </a:fld>
             <a:endParaRPr lang="en-US"/>
           </a:p>
@@ -7354,7 +7354,7 @@
           <a:p>
             <a:fld id="{5639636D-8884-4082-A066-DA2A6F62C12B}" type="datetime1">
               <a:rPr lang="en-US" smtClean="0"/>
-              <a:t>1/17/2018</a:t>
+              <a:t>1/18/2018</a:t>
             </a:fld>
             <a:endParaRPr lang="en-US"/>
           </a:p>
@@ -7476,17 +7476,17 @@
           </a:ln>
           <a:extLst>
             <a:ext uri="{FAA26D3D-D897-4be2-8F04-BA451C77F1D7}">
-              <ma14:placeholderFlag xmlns:ma14="http://schemas.microsoft.com/office/mac/drawingml/2011/main" xmlns="" val="1"/>
+              <ma14:placeholderFlag xmlns="" xmlns:ma14="http://schemas.microsoft.com/office/mac/drawingml/2011/main" val="1"/>
             </a:ext>
             <a:ext uri="{909E8E84-426E-40dd-AFC4-6F175D3DCCD1}">
-              <a14:hiddenFill xmlns:a14="http://schemas.microsoft.com/office/drawing/2010/main" xmlns="">
+              <a14:hiddenFill xmlns="" xmlns:a14="http://schemas.microsoft.com/office/drawing/2010/main">
                 <a:solidFill>
                   <a:srgbClr val="FFFFFF"/>
                 </a:solidFill>
               </a14:hiddenFill>
             </a:ext>
             <a:ext uri="{91240B29-F687-4f45-9708-019B960494DF}">
-              <a14:hiddenLine xmlns:a14="http://schemas.microsoft.com/office/drawing/2010/main" xmlns="" w="9525">
+              <a14:hiddenLine xmlns="" xmlns:a14="http://schemas.microsoft.com/office/drawing/2010/main" w="9525">
                 <a:solidFill>
                   <a:srgbClr val="000000"/>
                 </a:solidFill>
@@ -7538,17 +7538,17 @@
           </a:ln>
           <a:extLst>
             <a:ext uri="{FAA26D3D-D897-4be2-8F04-BA451C77F1D7}">
-              <ma14:placeholderFlag xmlns:ma14="http://schemas.microsoft.com/office/mac/drawingml/2011/main" xmlns="" val="1"/>
+              <ma14:placeholderFlag xmlns="" xmlns:ma14="http://schemas.microsoft.com/office/mac/drawingml/2011/main" val="1"/>
             </a:ext>
             <a:ext uri="{909E8E84-426E-40dd-AFC4-6F175D3DCCD1}">
-              <a14:hiddenFill xmlns:a14="http://schemas.microsoft.com/office/drawing/2010/main" xmlns="">
+              <a14:hiddenFill xmlns="" xmlns:a14="http://schemas.microsoft.com/office/drawing/2010/main">
                 <a:solidFill>
                   <a:srgbClr val="FFFFFF"/>
                 </a:solidFill>
               </a14:hiddenFill>
             </a:ext>
             <a:ext uri="{91240B29-F687-4f45-9708-019B960494DF}">
-              <a14:hiddenLine xmlns:a14="http://schemas.microsoft.com/office/drawing/2010/main" xmlns="" w="9525">
+              <a14:hiddenLine xmlns="" xmlns:a14="http://schemas.microsoft.com/office/drawing/2010/main" w="9525">
                 <a:solidFill>
                   <a:srgbClr val="000000"/>
                 </a:solidFill>
@@ -7648,7 +7648,7 @@
           <a:p>
             <a:fld id="{25085B04-7A33-416C-A7FB-D64ADDEB8FCC}" type="datetime1">
               <a:rPr lang="en-US" smtClean="0"/>
-              <a:t>1/17/2018</a:t>
+              <a:t>1/18/2018</a:t>
             </a:fld>
             <a:endParaRPr lang="en-US"/>
           </a:p>
@@ -7816,7 +7816,7 @@
           </a:ln>
           <a:extLst>
             <a:ext uri="{909E8E84-426E-40dd-AFC4-6F175D3DCCD1}">
-              <a14:hiddenFill xmlns:a14="http://schemas.microsoft.com/office/drawing/2010/main" xmlns="">
+              <a14:hiddenFill xmlns="" xmlns:a14="http://schemas.microsoft.com/office/drawing/2010/main">
                 <a:solidFill>
                   <a:srgbClr val="FFFFFF"/>
                 </a:solidFill>
@@ -7859,7 +7859,7 @@
           </a:ln>
           <a:extLst>
             <a:ext uri="{909E8E84-426E-40dd-AFC4-6F175D3DCCD1}">
-              <a14:hiddenFill xmlns:a14="http://schemas.microsoft.com/office/drawing/2010/main" xmlns="">
+              <a14:hiddenFill xmlns="" xmlns:a14="http://schemas.microsoft.com/office/drawing/2010/main">
                 <a:noFill/>
               </a14:hiddenFill>
             </a:ext>
@@ -8495,7 +8495,7 @@
           <a:p>
             <a:fld id="{A7853F80-D63E-429F-B326-B00475E1D8E8}" type="datetime1">
               <a:rPr lang="en-US" smtClean="0"/>
-              <a:t>1/17/2018</a:t>
+              <a:t>1/18/2018</a:t>
             </a:fld>
             <a:endParaRPr lang="en-US"/>
           </a:p>
@@ -8971,17 +8971,17 @@
           </a:ln>
           <a:extLst>
             <a:ext uri="{FAA26D3D-D897-4be2-8F04-BA451C77F1D7}">
-              <ma14:placeholderFlag xmlns:ma14="http://schemas.microsoft.com/office/mac/drawingml/2011/main" xmlns="" val="1"/>
+              <ma14:placeholderFlag xmlns="" xmlns:ma14="http://schemas.microsoft.com/office/mac/drawingml/2011/main" val="1"/>
             </a:ext>
             <a:ext uri="{909E8E84-426E-40dd-AFC4-6F175D3DCCD1}">
-              <a14:hiddenFill xmlns:a14="http://schemas.microsoft.com/office/drawing/2010/main" xmlns="">
+              <a14:hiddenFill xmlns="" xmlns:a14="http://schemas.microsoft.com/office/drawing/2010/main">
                 <a:solidFill>
                   <a:srgbClr val="FFFFFF"/>
                 </a:solidFill>
               </a14:hiddenFill>
             </a:ext>
             <a:ext uri="{91240B29-F687-4f45-9708-019B960494DF}">
-              <a14:hiddenLine xmlns:a14="http://schemas.microsoft.com/office/drawing/2010/main" xmlns="" w="9525">
+              <a14:hiddenLine xmlns="" xmlns:a14="http://schemas.microsoft.com/office/drawing/2010/main" w="9525">
                 <a:solidFill>
                   <a:srgbClr val="000000"/>
                 </a:solidFill>
@@ -10905,7 +10905,12 @@
             <p:ph idx="1"/>
           </p:nvPr>
         </p:nvSpPr>
-        <p:spPr/>
+        <p:spPr>
+          <a:xfrm>
+            <a:off x="457200" y="1053353"/>
+            <a:ext cx="8229600" cy="4530725"/>
+          </a:xfrm>
+        </p:spPr>
         <p:txBody>
           <a:bodyPr/>
           <a:lstStyle/>
@@ -11065,8 +11070,8 @@
           </a:p>
         </p:txBody>
       </p:sp>
-      <mc:AlternateContent xmlns:mc="http://schemas.openxmlformats.org/markup-compatibility/2006">
-        <mc:Choice xmlns:a14="http://schemas.microsoft.com/office/drawing/2010/main" Requires="a14">
+      <mc:AlternateContent xmlns:mc="http://schemas.openxmlformats.org/markup-compatibility/2006" xmlns:a14="http://schemas.microsoft.com/office/drawing/2010/main">
+        <mc:Choice Requires="a14">
           <p:sp>
             <p:nvSpPr>
               <p:cNvPr id="3" name="Content Placeholder 2"/>
@@ -11610,7 +11615,7 @@
             </p:txBody>
           </p:sp>
         </mc:Choice>
-        <mc:Fallback>
+        <mc:Fallback xmlns="">
           <p:sp>
             <p:nvSpPr>
               <p:cNvPr id="3" name="Content Placeholder 2"/>
@@ -12114,7 +12119,12 @@
             <p:ph idx="1"/>
           </p:nvPr>
         </p:nvSpPr>
-        <p:spPr/>
+        <p:spPr>
+          <a:xfrm>
+            <a:off x="457200" y="1417638"/>
+            <a:ext cx="8229600" cy="4530725"/>
+          </a:xfrm>
+        </p:spPr>
         <p:txBody>
           <a:bodyPr/>
           <a:lstStyle/>
@@ -12123,21 +12133,21 @@
               <a:buNone/>
             </a:pPr>
             <a:r>
-              <a:rPr lang="en-US" dirty="0">
+              <a:rPr lang="en-US" sz="2800" dirty="0">
                 <a:latin typeface="Courier New" panose="02070309020205020404" pitchFamily="49" charset="0"/>
                 <a:cs typeface="Courier New" panose="02070309020205020404" pitchFamily="49" charset="0"/>
               </a:rPr>
               <a:t> if(CH(</a:t>
             </a:r>
             <a:r>
-              <a:rPr lang="en-US" dirty="0" err="1">
+              <a:rPr lang="en-US" sz="2800" dirty="0" err="1">
                 <a:latin typeface="Courier New" panose="02070309020205020404" pitchFamily="49" charset="0"/>
                 <a:cs typeface="Courier New" panose="02070309020205020404" pitchFamily="49" charset="0"/>
               </a:rPr>
               <a:t>i,t</a:t>
             </a:r>
             <a:r>
-              <a:rPr lang="en-US" dirty="0">
+              <a:rPr lang="en-US" sz="2800" dirty="0">
                 <a:latin typeface="Courier New" panose="02070309020205020404" pitchFamily="49" charset="0"/>
                 <a:cs typeface="Courier New" panose="02070309020205020404" pitchFamily="49" charset="0"/>
               </a:rPr>
@@ -12149,35 +12159,35 @@
               <a:buNone/>
             </a:pPr>
             <a:r>
-              <a:rPr lang="en-US" dirty="0">
+              <a:rPr lang="en-US" sz="2800" dirty="0">
                 <a:latin typeface="Courier New" panose="02070309020205020404" pitchFamily="49" charset="0"/>
                 <a:cs typeface="Courier New" panose="02070309020205020404" pitchFamily="49" charset="0"/>
               </a:rPr>
               <a:t>    	</a:t>
             </a:r>
             <a:r>
-              <a:rPr lang="en-US" dirty="0" err="1">
+              <a:rPr lang="en-US" sz="2800" dirty="0" err="1">
                 <a:latin typeface="Courier New" panose="02070309020205020404" pitchFamily="49" charset="0"/>
                 <a:cs typeface="Courier New" panose="02070309020205020404" pitchFamily="49" charset="0"/>
               </a:rPr>
               <a:t>nll</a:t>
             </a:r>
             <a:r>
-              <a:rPr lang="en-US" dirty="0">
+              <a:rPr lang="en-US" sz="2800" dirty="0">
                 <a:latin typeface="Courier New" panose="02070309020205020404" pitchFamily="49" charset="0"/>
                 <a:cs typeface="Courier New" panose="02070309020205020404" pitchFamily="49" charset="0"/>
               </a:rPr>
               <a:t>-= log(p(</a:t>
             </a:r>
             <a:r>
-              <a:rPr lang="en-US" dirty="0" err="1">
+              <a:rPr lang="en-US" sz="2800" dirty="0" err="1">
                 <a:latin typeface="Courier New" panose="02070309020205020404" pitchFamily="49" charset="0"/>
                 <a:cs typeface="Courier New" panose="02070309020205020404" pitchFamily="49" charset="0"/>
               </a:rPr>
               <a:t>i,t</a:t>
             </a:r>
             <a:r>
-              <a:rPr lang="en-US" dirty="0">
+              <a:rPr lang="en-US" sz="2800" dirty="0">
                 <a:latin typeface="Courier New" panose="02070309020205020404" pitchFamily="49" charset="0"/>
                 <a:cs typeface="Courier New" panose="02070309020205020404" pitchFamily="49" charset="0"/>
               </a:rPr>
@@ -12189,7 +12199,7 @@
               <a:buNone/>
             </a:pPr>
             <a:r>
-              <a:rPr lang="en-US" dirty="0">
+              <a:rPr lang="en-US" sz="2800" dirty="0">
                 <a:latin typeface="Courier New" panose="02070309020205020404" pitchFamily="49" charset="0"/>
                 <a:cs typeface="Courier New" panose="02070309020205020404" pitchFamily="49" charset="0"/>
               </a:rPr>
@@ -12201,35 +12211,35 @@
               <a:buNone/>
             </a:pPr>
             <a:r>
-              <a:rPr lang="en-US" dirty="0">
+              <a:rPr lang="en-US" sz="2800" dirty="0">
                 <a:latin typeface="Courier New" panose="02070309020205020404" pitchFamily="49" charset="0"/>
                 <a:cs typeface="Courier New" panose="02070309020205020404" pitchFamily="49" charset="0"/>
               </a:rPr>
               <a:t>    	</a:t>
             </a:r>
             <a:r>
-              <a:rPr lang="en-US" dirty="0" err="1">
+              <a:rPr lang="en-US" sz="2800" dirty="0" err="1">
                 <a:latin typeface="Courier New" panose="02070309020205020404" pitchFamily="49" charset="0"/>
                 <a:cs typeface="Courier New" panose="02070309020205020404" pitchFamily="49" charset="0"/>
               </a:rPr>
               <a:t>nll</a:t>
             </a:r>
             <a:r>
-              <a:rPr lang="en-US" dirty="0">
+              <a:rPr lang="en-US" sz="2800" dirty="0">
                 <a:latin typeface="Courier New" panose="02070309020205020404" pitchFamily="49" charset="0"/>
                 <a:cs typeface="Courier New" panose="02070309020205020404" pitchFamily="49" charset="0"/>
               </a:rPr>
               <a:t>-= log(1-p(</a:t>
             </a:r>
             <a:r>
-              <a:rPr lang="en-US" dirty="0" err="1">
+              <a:rPr lang="en-US" sz="2800" dirty="0" err="1">
                 <a:latin typeface="Courier New" panose="02070309020205020404" pitchFamily="49" charset="0"/>
                 <a:cs typeface="Courier New" panose="02070309020205020404" pitchFamily="49" charset="0"/>
               </a:rPr>
               <a:t>i,t</a:t>
             </a:r>
             <a:r>
-              <a:rPr lang="en-US" dirty="0">
+              <a:rPr lang="en-US" sz="2800" dirty="0">
                 <a:latin typeface="Courier New" panose="02070309020205020404" pitchFamily="49" charset="0"/>
                 <a:cs typeface="Courier New" panose="02070309020205020404" pitchFamily="49" charset="0"/>
               </a:rPr>
@@ -12241,7 +12251,7 @@
               <a:buNone/>
             </a:pPr>
             <a:r>
-              <a:rPr lang="en-US" dirty="0">
+              <a:rPr lang="en-US" sz="2800" dirty="0">
                 <a:latin typeface="Courier New" panose="02070309020205020404" pitchFamily="49" charset="0"/>
                 <a:cs typeface="Courier New" panose="02070309020205020404" pitchFamily="49" charset="0"/>
               </a:rPr>
@@ -12250,26 +12260,23 @@
           </a:p>
           <a:p>
             <a:r>
-              <a:rPr lang="en-US" dirty="0"/>
+              <a:rPr lang="en-US" sz="2800" dirty="0"/>
               <a:t>Here we apply a different NLL calculation based on the value in the data matrix CH.</a:t>
             </a:r>
           </a:p>
           <a:p>
             <a:r>
-              <a:rPr lang="en-US" u="sng" dirty="0"/>
+              <a:rPr lang="en-US" sz="2800" u="sng" dirty="0"/>
               <a:t>We cannot use </a:t>
             </a:r>
             <a:r>
-              <a:rPr lang="en-US" b="1" u="sng" dirty="0"/>
+              <a:rPr lang="en-US" sz="2800" b="1" u="sng" dirty="0"/>
               <a:t>parameters</a:t>
             </a:r>
             <a:r>
-              <a:rPr lang="en-US" u="sng" dirty="0"/>
+              <a:rPr lang="en-US" sz="2800" u="sng" dirty="0"/>
               <a:t> in if statements, because that is not differentiable</a:t>
             </a:r>
-          </a:p>
-          <a:p>
-            <a:endParaRPr lang="en-US" dirty="0"/>
           </a:p>
         </p:txBody>
       </p:sp>
@@ -14230,8 +14237,8 @@
           </a:p>
         </p:txBody>
       </p:sp>
-      <mc:AlternateContent xmlns:mc="http://schemas.openxmlformats.org/markup-compatibility/2006">
-        <mc:Choice xmlns:a14="http://schemas.microsoft.com/office/drawing/2010/main" Requires="a14">
+      <mc:AlternateContent xmlns:mc="http://schemas.openxmlformats.org/markup-compatibility/2006" xmlns:a14="http://schemas.microsoft.com/office/drawing/2010/main">
+        <mc:Choice Requires="a14">
           <p:sp>
             <p:nvSpPr>
               <p:cNvPr id="3" name="Content Placeholder 2">
@@ -14357,7 +14364,7 @@
             </p:txBody>
           </p:sp>
         </mc:Choice>
-        <mc:Fallback>
+        <mc:Fallback xmlns="">
           <p:sp>
             <p:nvSpPr>
               <p:cNvPr id="3" name="Content Placeholder 2">
